--- a/Interest_SDE.pptx
+++ b/Interest_SDE.pptx
@@ -8161,6 +8161,150 @@
           </a:p>
         </p:txBody>
       </p:sp>
+      <p:sp>
+        <p:nvSpPr>
+          <p:cNvPr id="11" name="二方向矢印 10"/>
+          <p:cNvSpPr/>
+          <p:nvPr/>
+        </p:nvSpPr>
+        <p:spPr>
+          <a:xfrm>
+            <a:off x="8690033" y="4480864"/>
+            <a:ext cx="1966696" cy="1916923"/>
+          </a:xfrm>
+          <a:prstGeom prst="leftUpArrow">
+            <a:avLst>
+              <a:gd name="adj1" fmla="val 9937"/>
+              <a:gd name="adj2" fmla="val 9877"/>
+              <a:gd name="adj3" fmla="val 34370"/>
+            </a:avLst>
+          </a:prstGeom>
+          <a:ln>
+            <a:solidFill>
+              <a:schemeClr val="accent6">
+                <a:lumMod val="50000"/>
+              </a:schemeClr>
+            </a:solidFill>
+          </a:ln>
+        </p:spPr>
+        <p:style>
+          <a:lnRef idx="2">
+            <a:schemeClr val="accent6">
+              <a:shade val="50000"/>
+            </a:schemeClr>
+          </a:lnRef>
+          <a:fillRef idx="1">
+            <a:schemeClr val="accent6"/>
+          </a:fillRef>
+          <a:effectRef idx="0">
+            <a:schemeClr val="accent6"/>
+          </a:effectRef>
+          <a:fontRef idx="minor">
+            <a:schemeClr val="lt1"/>
+          </a:fontRef>
+        </p:style>
+        <p:txBody>
+          <a:bodyPr rtlCol="0" anchor="ctr"/>
+          <a:lstStyle/>
+          <a:p>
+            <a:pPr algn="ctr"/>
+            <a:endParaRPr kumimoji="1" lang="ja-JP" altLang="en-US"/>
+          </a:p>
+        </p:txBody>
+      </p:sp>
+      <p:sp>
+        <p:nvSpPr>
+          <p:cNvPr id="35" name="テキスト ボックス 34"/>
+          <p:cNvSpPr txBox="1"/>
+          <p:nvPr/>
+        </p:nvSpPr>
+        <p:spPr>
+          <a:xfrm>
+            <a:off x="8083086" y="4571023"/>
+            <a:ext cx="2323008" cy="830997"/>
+          </a:xfrm>
+          <a:prstGeom prst="rect">
+            <a:avLst/>
+          </a:prstGeom>
+          <a:noFill/>
+        </p:spPr>
+        <p:txBody>
+          <a:bodyPr wrap="none" rtlCol="0">
+            <a:spAutoFit/>
+          </a:bodyPr>
+          <a:lstStyle/>
+          <a:p>
+            <a:r>
+              <a:rPr kumimoji="1" lang="en-US" altLang="ja-JP" sz="2400" b="1" smtClean="0">
+                <a:ln w="12700">
+                  <a:solidFill>
+                    <a:schemeClr val="accent6"/>
+                  </a:solidFill>
+                  <a:prstDash val="solid"/>
+                </a:ln>
+                <a:solidFill>
+                  <a:schemeClr val="accent6">
+                    <a:lumMod val="50000"/>
+                  </a:schemeClr>
+                </a:solidFill>
+                <a:effectLst>
+                  <a:outerShdw dist="38100" dir="2640000" algn="bl" rotWithShape="0">
+                    <a:schemeClr val="tx2">
+                      <a:lumMod val="75000"/>
+                    </a:schemeClr>
+                  </a:outerShdw>
+                </a:effectLst>
+              </a:rPr>
+              <a:t>Feynmann – Kac </a:t>
+            </a:r>
+          </a:p>
+          <a:p>
+            <a:r>
+              <a:rPr lang="en-US" altLang="ja-JP" sz="2400" b="1" smtClean="0">
+                <a:ln w="12700">
+                  <a:solidFill>
+                    <a:schemeClr val="accent6"/>
+                  </a:solidFill>
+                  <a:prstDash val="solid"/>
+                </a:ln>
+                <a:solidFill>
+                  <a:schemeClr val="accent6">
+                    <a:lumMod val="50000"/>
+                  </a:schemeClr>
+                </a:solidFill>
+                <a:effectLst>
+                  <a:outerShdw dist="38100" dir="2640000" algn="bl" rotWithShape="0">
+                    <a:schemeClr val="tx2">
+                      <a:lumMod val="75000"/>
+                    </a:schemeClr>
+                  </a:outerShdw>
+                </a:effectLst>
+              </a:rPr>
+              <a:t>formula</a:t>
+            </a:r>
+            <a:endParaRPr kumimoji="1" lang="ja-JP" altLang="en-US" sz="2400" b="1">
+              <a:ln w="12700">
+                <a:solidFill>
+                  <a:schemeClr val="accent6"/>
+                </a:solidFill>
+                <a:prstDash val="solid"/>
+              </a:ln>
+              <a:solidFill>
+                <a:schemeClr val="accent6">
+                  <a:lumMod val="50000"/>
+                </a:schemeClr>
+              </a:solidFill>
+              <a:effectLst>
+                <a:outerShdw dist="38100" dir="2640000" algn="bl" rotWithShape="0">
+                  <a:schemeClr val="tx2">
+                    <a:lumMod val="75000"/>
+                  </a:schemeClr>
+                </a:outerShdw>
+              </a:effectLst>
+            </a:endParaRPr>
+          </a:p>
+        </p:txBody>
+      </p:sp>
     </p:spTree>
     <p:extLst>
       <p:ext uri="{BB962C8B-B14F-4D97-AF65-F5344CB8AC3E}">
